--- a/slides/Week2.pptx
+++ b/slides/Week2.pptx
@@ -9736,12 +9736,93 @@
           </a:p>
         </p:txBody>
       </p:sp>
+      <p:sp>
+        <p:nvSpPr>
+          <p:cNvPr id="14" name="TextBox 13">
+            <a:extLst>
+              <a:ext uri="{FF2B5EF4-FFF2-40B4-BE49-F238E27FC236}">
+                <a16:creationId xmlns:a16="http://schemas.microsoft.com/office/drawing/2014/main" id="{50BC1A3C-92F6-AB41-B159-3814154704D1}"/>
+              </a:ext>
+            </a:extLst>
+          </p:cNvPr>
+          <p:cNvSpPr txBox="1"/>
+          <p:nvPr/>
+        </p:nvSpPr>
+        <p:spPr>
+          <a:xfrm>
+            <a:off x="5529216" y="1402080"/>
+            <a:ext cx="3283857" cy="2585323"/>
+          </a:xfrm>
+          <a:prstGeom prst="rect">
+            <a:avLst/>
+          </a:prstGeom>
+          <a:noFill/>
+        </p:spPr>
+        <p:txBody>
+          <a:bodyPr wrap="square" rtlCol="0">
+            <a:spAutoFit/>
+          </a:bodyPr>
+          <a:lstStyle/>
+          <a:p>
+            <a:r>
+              <a:rPr lang="en-US" dirty="0"/>
+              <a:t>N=10-year random sampling</a:t>
+            </a:r>
+          </a:p>
+          <a:p>
+            <a:r>
+              <a:rPr lang="en-US" dirty="0"/>
+              <a:t>Repeated K=1000 times</a:t>
+            </a:r>
+          </a:p>
+          <a:p>
+            <a:endParaRPr lang="en-US" dirty="0"/>
+          </a:p>
+          <a:p>
+            <a:r>
+              <a:rPr lang="en-US" dirty="0"/>
+              <a:t>Mean of sample mean (M) = 61.93°F</a:t>
+            </a:r>
+          </a:p>
+          <a:p>
+            <a:r>
+              <a:rPr lang="en-US" dirty="0"/>
+              <a:t>True mean (</a:t>
+            </a:r>
+            <a:r>
+              <a:rPr lang="en-US" dirty="0">
+                <a:latin typeface="Symbol" pitchFamily="2" charset="2"/>
+              </a:rPr>
+              <a:t>m</a:t>
+            </a:r>
+            <a:r>
+              <a:rPr lang="en-US" dirty="0"/>
+              <a:t>) = 61.93°F</a:t>
+            </a:r>
+          </a:p>
+          <a:p>
+            <a:r>
+              <a:rPr lang="en-US" dirty="0"/>
+              <a:t>Standard deviation of M = 0.44°F</a:t>
+            </a:r>
+          </a:p>
+          <a:p>
+            <a:r>
+              <a:rPr lang="en-US" dirty="0"/>
+              <a:t>Standard error (           )= 0.45°F</a:t>
+            </a:r>
+          </a:p>
+          <a:p>
+            <a:endParaRPr lang="en-US" dirty="0"/>
+          </a:p>
+        </p:txBody>
+      </p:sp>
       <p:pic>
         <p:nvPicPr>
-          <p:cNvPr id="13" name="Picture 12">
-            <a:extLst>
-              <a:ext uri="{FF2B5EF4-FFF2-40B4-BE49-F238E27FC236}">
-                <a16:creationId xmlns:a16="http://schemas.microsoft.com/office/drawing/2014/main" id="{1EBF0220-18E9-604F-9392-C1AD4DF24618}"/>
+          <p:cNvPr id="6" name="Picture 5">
+            <a:extLst>
+              <a:ext uri="{FF2B5EF4-FFF2-40B4-BE49-F238E27FC236}">
+                <a16:creationId xmlns:a16="http://schemas.microsoft.com/office/drawing/2014/main" id="{73A4562E-0BC8-3B4F-9253-E1A3D19FBA32}"/>
               </a:ext>
             </a:extLst>
           </p:cNvPr>
@@ -9758,123 +9839,59 @@
         </p:blipFill>
         <p:spPr>
           <a:xfrm>
-            <a:off x="460102" y="1045283"/>
-            <a:ext cx="4632622" cy="3474466"/>
+            <a:off x="7109206" y="3400362"/>
+            <a:ext cx="546957" cy="230580"/>
           </a:xfrm>
           <a:prstGeom prst="rect">
             <a:avLst/>
           </a:prstGeom>
         </p:spPr>
       </p:pic>
-      <p:sp>
-        <p:nvSpPr>
-          <p:cNvPr id="14" name="TextBox 13">
-            <a:extLst>
-              <a:ext uri="{FF2B5EF4-FFF2-40B4-BE49-F238E27FC236}">
-                <a16:creationId xmlns:a16="http://schemas.microsoft.com/office/drawing/2014/main" id="{50BC1A3C-92F6-AB41-B159-3814154704D1}"/>
-              </a:ext>
-            </a:extLst>
-          </p:cNvPr>
-          <p:cNvSpPr txBox="1"/>
+      <p:pic>
+        <p:nvPicPr>
+          <p:cNvPr id="4100" name="Picture 4">
+            <a:extLst>
+              <a:ext uri="{FF2B5EF4-FFF2-40B4-BE49-F238E27FC236}">
+                <a16:creationId xmlns:a16="http://schemas.microsoft.com/office/drawing/2014/main" id="{E4D3EF01-BD28-C304-4FF7-B8A9ADA58F0F}"/>
+              </a:ext>
+            </a:extLst>
+          </p:cNvPr>
+          <p:cNvPicPr>
+            <a:picLocks noChangeAspect="1" noChangeArrowheads="1"/>
+          </p:cNvPicPr>
           <p:nvPr/>
-        </p:nvSpPr>
-        <p:spPr>
-          <a:xfrm>
-            <a:off x="5529216" y="1402080"/>
-            <a:ext cx="3283857" cy="2585323"/>
+        </p:nvPicPr>
+        <p:blipFill>
+          <a:blip r:embed="rId4">
+            <a:extLst>
+              <a:ext uri="{28A0092B-C50C-407E-A947-70E740481C1C}">
+                <a14:useLocalDpi xmlns:a14="http://schemas.microsoft.com/office/drawing/2010/main" val="0"/>
+              </a:ext>
+            </a:extLst>
+          </a:blip>
+          <a:srcRect/>
+          <a:stretch>
+            <a:fillRect/>
+          </a:stretch>
+        </p:blipFill>
+        <p:spPr bwMode="auto">
+          <a:xfrm>
+            <a:off x="249802" y="1031041"/>
+            <a:ext cx="4940300" cy="3327400"/>
           </a:xfrm>
           <a:prstGeom prst="rect">
             <a:avLst/>
           </a:prstGeom>
           <a:noFill/>
-        </p:spPr>
-        <p:txBody>
-          <a:bodyPr wrap="square" rtlCol="0">
-            <a:spAutoFit/>
-          </a:bodyPr>
-          <a:lstStyle/>
-          <a:p>
-            <a:r>
-              <a:rPr lang="en-US" dirty="0"/>
-              <a:t>N=10-year random sampling</a:t>
-            </a:r>
-          </a:p>
-          <a:p>
-            <a:r>
-              <a:rPr lang="en-US" dirty="0"/>
-              <a:t>Repeated K=1000 times</a:t>
-            </a:r>
-          </a:p>
-          <a:p>
-            <a:endParaRPr lang="en-US" dirty="0"/>
-          </a:p>
-          <a:p>
-            <a:r>
-              <a:rPr lang="en-US" dirty="0"/>
-              <a:t>Mean of sample mean (M) = 61.89°F</a:t>
-            </a:r>
-          </a:p>
-          <a:p>
-            <a:r>
-              <a:rPr lang="en-US" dirty="0"/>
-              <a:t>True mean (</a:t>
-            </a:r>
-            <a:r>
-              <a:rPr lang="en-US" dirty="0">
-                <a:latin typeface="Symbol" pitchFamily="2" charset="2"/>
-              </a:rPr>
-              <a:t>m</a:t>
-            </a:r>
-            <a:r>
-              <a:rPr lang="en-US" dirty="0"/>
-              <a:t>) = 61.88°F</a:t>
-            </a:r>
-          </a:p>
-          <a:p>
-            <a:r>
-              <a:rPr lang="en-US" dirty="0"/>
-              <a:t>Standard deviation of M = 0.44°F</a:t>
-            </a:r>
-          </a:p>
-          <a:p>
-            <a:r>
-              <a:rPr lang="en-US" dirty="0"/>
-              <a:t>Standard error (           )= 0.44°F</a:t>
-            </a:r>
-          </a:p>
-          <a:p>
-            <a:endParaRPr lang="en-US" dirty="0"/>
-          </a:p>
-        </p:txBody>
-      </p:sp>
-      <p:pic>
-        <p:nvPicPr>
-          <p:cNvPr id="6" name="Picture 5">
-            <a:extLst>
-              <a:ext uri="{FF2B5EF4-FFF2-40B4-BE49-F238E27FC236}">
-                <a16:creationId xmlns:a16="http://schemas.microsoft.com/office/drawing/2014/main" id="{73A4562E-0BC8-3B4F-9253-E1A3D19FBA32}"/>
-              </a:ext>
-            </a:extLst>
-          </p:cNvPr>
-          <p:cNvPicPr>
-            <a:picLocks noChangeAspect="1"/>
-          </p:cNvPicPr>
-          <p:nvPr/>
-        </p:nvPicPr>
-        <p:blipFill>
-          <a:blip r:embed="rId4"/>
-          <a:stretch>
-            <a:fillRect/>
-          </a:stretch>
-        </p:blipFill>
-        <p:spPr>
-          <a:xfrm>
-            <a:off x="7109206" y="3400362"/>
-            <a:ext cx="546957" cy="230580"/>
-          </a:xfrm>
-          <a:prstGeom prst="rect">
-            <a:avLst/>
-          </a:prstGeom>
+          <a:extLst>
+            <a:ext uri="{909E8E84-426E-40DD-AFC4-6F175D3DCCD1}">
+              <a14:hiddenFill xmlns:a14="http://schemas.microsoft.com/office/drawing/2010/main">
+                <a:solidFill>
+                  <a:srgbClr val="FFFFFF"/>
+                </a:solidFill>
+              </a14:hiddenFill>
+            </a:ext>
+          </a:extLst>
         </p:spPr>
       </p:pic>
     </p:spTree>
@@ -9965,7 +9982,7 @@
           <a:p>
             <a:r>
               <a:rPr lang="en-US" dirty="0"/>
-              <a:t>In the last 10 years (2010-2019) the average temperature was 64.23°F</a:t>
+              <a:t>In the last 10 years (2010-2019) the average temperature was 64.45°F</a:t>
             </a:r>
           </a:p>
           <a:p>
@@ -9975,12 +9992,10 @@
             <a:r>
               <a:rPr lang="en-US" dirty="0">
                 <a:solidFill>
-                  <a:schemeClr val="accent4">
-                    <a:lumMod val="75000"/>
-                  </a:schemeClr>
+                  <a:srgbClr val="4FAF4F"/>
                 </a:solidFill>
               </a:rPr>
-              <a:t>95 percentile = 62.63°F</a:t>
+              <a:t>95 percentile = 62.66°F</a:t>
             </a:r>
           </a:p>
           <a:p>
@@ -9999,32 +10014,49 @@
       </p:sp>
       <p:pic>
         <p:nvPicPr>
-          <p:cNvPr id="4" name="Picture 3">
-            <a:extLst>
-              <a:ext uri="{FF2B5EF4-FFF2-40B4-BE49-F238E27FC236}">
-                <a16:creationId xmlns:a16="http://schemas.microsoft.com/office/drawing/2014/main" id="{D954504D-E517-AF48-8D7D-463648D75792}"/>
+          <p:cNvPr id="5122" name="Picture 2">
+            <a:extLst>
+              <a:ext uri="{FF2B5EF4-FFF2-40B4-BE49-F238E27FC236}">
+                <a16:creationId xmlns:a16="http://schemas.microsoft.com/office/drawing/2014/main" id="{18C8B169-0C42-97A6-1CFC-C6942F05142D}"/>
               </a:ext>
             </a:extLst>
           </p:cNvPr>
           <p:cNvPicPr>
-            <a:picLocks noChangeAspect="1"/>
+            <a:picLocks noChangeAspect="1" noChangeArrowheads="1"/>
           </p:cNvPicPr>
           <p:nvPr/>
         </p:nvPicPr>
         <p:blipFill>
-          <a:blip r:embed="rId3"/>
+          <a:blip r:embed="rId3">
+            <a:extLst>
+              <a:ext uri="{28A0092B-C50C-407E-A947-70E740481C1C}">
+                <a14:useLocalDpi xmlns:a14="http://schemas.microsoft.com/office/drawing/2010/main" val="0"/>
+              </a:ext>
+            </a:extLst>
+          </a:blip>
+          <a:srcRect/>
           <a:stretch>
             <a:fillRect/>
           </a:stretch>
         </p:blipFill>
-        <p:spPr>
-          <a:xfrm>
-            <a:off x="532856" y="1131075"/>
-            <a:ext cx="4518231" cy="3388673"/>
+        <p:spPr bwMode="auto">
+          <a:xfrm>
+            <a:off x="273050" y="1402080"/>
+            <a:ext cx="4940300" cy="3327400"/>
           </a:xfrm>
           <a:prstGeom prst="rect">
             <a:avLst/>
           </a:prstGeom>
+          <a:noFill/>
+          <a:extLst>
+            <a:ext uri="{909E8E84-426E-40DD-AFC4-6F175D3DCCD1}">
+              <a14:hiddenFill xmlns:a14="http://schemas.microsoft.com/office/drawing/2010/main">
+                <a:solidFill>
+                  <a:srgbClr val="FFFFFF"/>
+                </a:solidFill>
+              </a14:hiddenFill>
+            </a:ext>
+          </a:extLst>
         </p:spPr>
       </p:pic>
     </p:spTree>
@@ -10115,7 +10147,7 @@
           <a:p>
             <a:r>
               <a:rPr lang="en-US" dirty="0"/>
-              <a:t>In the last 10 years (2010-2019) the average temperature was 64.23°F</a:t>
+              <a:t>In the last 10 years (2010-2019) the average temperature was 64.45°F</a:t>
             </a:r>
           </a:p>
           <a:p>
@@ -10125,12 +10157,10 @@
             <a:r>
               <a:rPr lang="en-US" dirty="0">
                 <a:solidFill>
-                  <a:schemeClr val="accent4">
-                    <a:lumMod val="75000"/>
-                  </a:schemeClr>
+                  <a:srgbClr val="5EB65E"/>
                 </a:solidFill>
               </a:rPr>
-              <a:t>95 percentile = 62.63°F</a:t>
+              <a:t>95 percentile = 62.66°F</a:t>
             </a:r>
           </a:p>
           <a:p>
@@ -10140,10 +10170,10 @@
             <a:r>
               <a:rPr lang="en-US" dirty="0">
                 <a:solidFill>
-                  <a:srgbClr val="00B050"/>
+                  <a:srgbClr val="DC4749"/>
                 </a:solidFill>
               </a:rPr>
-              <a:t>99 percentile = 63.00°F</a:t>
+              <a:t>99 percentile = 62.92°F</a:t>
             </a:r>
           </a:p>
           <a:p>
@@ -10153,32 +10183,49 @@
       </p:sp>
       <p:pic>
         <p:nvPicPr>
-          <p:cNvPr id="5" name="Picture 4">
-            <a:extLst>
-              <a:ext uri="{FF2B5EF4-FFF2-40B4-BE49-F238E27FC236}">
-                <a16:creationId xmlns:a16="http://schemas.microsoft.com/office/drawing/2014/main" id="{97CD27A7-EE27-A24C-9313-AB0FF735185F}"/>
+          <p:cNvPr id="6146" name="Picture 2">
+            <a:extLst>
+              <a:ext uri="{FF2B5EF4-FFF2-40B4-BE49-F238E27FC236}">
+                <a16:creationId xmlns:a16="http://schemas.microsoft.com/office/drawing/2014/main" id="{4BC62B3D-49FF-2300-C659-E2B45912D515}"/>
               </a:ext>
             </a:extLst>
           </p:cNvPr>
           <p:cNvPicPr>
-            <a:picLocks noChangeAspect="1"/>
+            <a:picLocks noChangeAspect="1" noChangeArrowheads="1"/>
           </p:cNvPicPr>
           <p:nvPr/>
         </p:nvPicPr>
         <p:blipFill>
-          <a:blip r:embed="rId3"/>
+          <a:blip r:embed="rId3">
+            <a:extLst>
+              <a:ext uri="{28A0092B-C50C-407E-A947-70E740481C1C}">
+                <a14:useLocalDpi xmlns:a14="http://schemas.microsoft.com/office/drawing/2010/main" val="0"/>
+              </a:ext>
+            </a:extLst>
+          </a:blip>
+          <a:srcRect/>
           <a:stretch>
             <a:fillRect/>
           </a:stretch>
         </p:blipFill>
-        <p:spPr>
-          <a:xfrm>
-            <a:off x="469538" y="1172222"/>
-            <a:ext cx="4520474" cy="3390356"/>
+        <p:spPr bwMode="auto">
+          <a:xfrm>
+            <a:off x="330927" y="1342002"/>
+            <a:ext cx="4940300" cy="3327400"/>
           </a:xfrm>
           <a:prstGeom prst="rect">
             <a:avLst/>
           </a:prstGeom>
+          <a:noFill/>
+          <a:extLst>
+            <a:ext uri="{909E8E84-426E-40DD-AFC4-6F175D3DCCD1}">
+              <a14:hiddenFill xmlns:a14="http://schemas.microsoft.com/office/drawing/2010/main">
+                <a:solidFill>
+                  <a:srgbClr val="FFFFFF"/>
+                </a:solidFill>
+              </a14:hiddenFill>
+            </a:ext>
+          </a:extLst>
         </p:spPr>
       </p:pic>
     </p:spTree>
@@ -10270,12 +10317,10 @@
             <a:r>
               <a:rPr lang="en-US" dirty="0">
                 <a:solidFill>
-                  <a:schemeClr val="accent1">
-                    <a:lumMod val="75000"/>
-                  </a:schemeClr>
+                  <a:srgbClr val="A57EC7"/>
                 </a:solidFill>
               </a:rPr>
-              <a:t>In the last 10 years (2010-2019) the average temperature was 64.23°F</a:t>
+              <a:t>In the last 10 years (2010-2019) the average temperature was 64.45°F</a:t>
             </a:r>
           </a:p>
           <a:p>
@@ -10285,12 +10330,10 @@
             <a:r>
               <a:rPr lang="en-US" dirty="0">
                 <a:solidFill>
-                  <a:schemeClr val="accent4">
-                    <a:lumMod val="75000"/>
-                  </a:schemeClr>
+                  <a:srgbClr val="5EB65E"/>
                 </a:solidFill>
               </a:rPr>
-              <a:t>95 percentile = 62.63°F</a:t>
+              <a:t>95 percentile = 62.66°F</a:t>
             </a:r>
           </a:p>
           <a:p>
@@ -10300,12 +10343,10 @@
             <a:r>
               <a:rPr lang="en-US" dirty="0">
                 <a:solidFill>
-                  <a:schemeClr val="accent6">
-                    <a:lumMod val="75000"/>
-                  </a:schemeClr>
+                  <a:srgbClr val="DC4749"/>
                 </a:solidFill>
               </a:rPr>
-              <a:t>99 percentile = 63.00°F</a:t>
+              <a:t>99 percentile = 62.92°F</a:t>
             </a:r>
           </a:p>
           <a:p>
@@ -10321,32 +10362,49 @@
       </p:sp>
       <p:pic>
         <p:nvPicPr>
-          <p:cNvPr id="4" name="Picture 3">
-            <a:extLst>
-              <a:ext uri="{FF2B5EF4-FFF2-40B4-BE49-F238E27FC236}">
-                <a16:creationId xmlns:a16="http://schemas.microsoft.com/office/drawing/2014/main" id="{4FBF363E-B7C1-2A48-B0C6-15F8B854068D}"/>
+          <p:cNvPr id="7170" name="Picture 2">
+            <a:extLst>
+              <a:ext uri="{FF2B5EF4-FFF2-40B4-BE49-F238E27FC236}">
+                <a16:creationId xmlns:a16="http://schemas.microsoft.com/office/drawing/2014/main" id="{41E2DD14-1186-7B38-7679-F9CE72490AAA}"/>
               </a:ext>
             </a:extLst>
           </p:cNvPr>
           <p:cNvPicPr>
-            <a:picLocks noChangeAspect="1"/>
+            <a:picLocks noChangeAspect="1" noChangeArrowheads="1"/>
           </p:cNvPicPr>
           <p:nvPr/>
         </p:nvPicPr>
         <p:blipFill>
-          <a:blip r:embed="rId3"/>
+          <a:blip r:embed="rId3">
+            <a:extLst>
+              <a:ext uri="{28A0092B-C50C-407E-A947-70E740481C1C}">
+                <a14:useLocalDpi xmlns:a14="http://schemas.microsoft.com/office/drawing/2010/main" val="0"/>
+              </a:ext>
+            </a:extLst>
+          </a:blip>
+          <a:srcRect/>
           <a:stretch>
             <a:fillRect/>
           </a:stretch>
         </p:blipFill>
-        <p:spPr>
-          <a:xfrm>
-            <a:off x="399143" y="1112996"/>
-            <a:ext cx="5008880" cy="3756660"/>
+        <p:spPr bwMode="auto">
+          <a:xfrm>
+            <a:off x="428033" y="1402080"/>
+            <a:ext cx="4940300" cy="3327400"/>
           </a:xfrm>
           <a:prstGeom prst="rect">
             <a:avLst/>
           </a:prstGeom>
+          <a:noFill/>
+          <a:extLst>
+            <a:ext uri="{909E8E84-426E-40DD-AFC4-6F175D3DCCD1}">
+              <a14:hiddenFill xmlns:a14="http://schemas.microsoft.com/office/drawing/2010/main">
+                <a:solidFill>
+                  <a:srgbClr val="FFFFFF"/>
+                </a:solidFill>
+              </a14:hiddenFill>
+            </a:ext>
+          </a:extLst>
         </p:spPr>
       </p:pic>
     </p:spTree>
